--- a/plots/Fig6 tests.pptx
+++ b/plots/Fig6 tests.pptx
@@ -197,7 +197,7 @@
           <a:p>
             <a:fld id="{4F97FC17-05F1-5941-99BF-2CFB8DD61DE7}" type="datetimeFigureOut">
               <a:rPr lang="en-US" smtClean="0"/>
-              <a:t>6/26/24</a:t>
+              <a:t>7/12/24</a:t>
             </a:fld>
             <a:endParaRPr lang="en-US"/>
           </a:p>
@@ -685,7 +685,7 @@
           <a:p>
             <a:fld id="{CE5BC49A-E8DF-6544-B7B9-136C9E9A9884}" type="datetimeFigureOut">
               <a:rPr lang="en-US" smtClean="0"/>
-              <a:t>6/26/24</a:t>
+              <a:t>7/12/24</a:t>
             </a:fld>
             <a:endParaRPr lang="en-US"/>
           </a:p>
@@ -855,7 +855,7 @@
           <a:p>
             <a:fld id="{CE5BC49A-E8DF-6544-B7B9-136C9E9A9884}" type="datetimeFigureOut">
               <a:rPr lang="en-US" smtClean="0"/>
-              <a:t>6/26/24</a:t>
+              <a:t>7/12/24</a:t>
             </a:fld>
             <a:endParaRPr lang="en-US"/>
           </a:p>
@@ -1035,7 +1035,7 @@
           <a:p>
             <a:fld id="{CE5BC49A-E8DF-6544-B7B9-136C9E9A9884}" type="datetimeFigureOut">
               <a:rPr lang="en-US" smtClean="0"/>
-              <a:t>6/26/24</a:t>
+              <a:t>7/12/24</a:t>
             </a:fld>
             <a:endParaRPr lang="en-US"/>
           </a:p>
@@ -1205,7 +1205,7 @@
           <a:p>
             <a:fld id="{CE5BC49A-E8DF-6544-B7B9-136C9E9A9884}" type="datetimeFigureOut">
               <a:rPr lang="en-US" smtClean="0"/>
-              <a:t>6/26/24</a:t>
+              <a:t>7/12/24</a:t>
             </a:fld>
             <a:endParaRPr lang="en-US"/>
           </a:p>
@@ -1451,7 +1451,7 @@
           <a:p>
             <a:fld id="{CE5BC49A-E8DF-6544-B7B9-136C9E9A9884}" type="datetimeFigureOut">
               <a:rPr lang="en-US" smtClean="0"/>
-              <a:t>6/26/24</a:t>
+              <a:t>7/12/24</a:t>
             </a:fld>
             <a:endParaRPr lang="en-US"/>
           </a:p>
@@ -1683,7 +1683,7 @@
           <a:p>
             <a:fld id="{CE5BC49A-E8DF-6544-B7B9-136C9E9A9884}" type="datetimeFigureOut">
               <a:rPr lang="en-US" smtClean="0"/>
-              <a:t>6/26/24</a:t>
+              <a:t>7/12/24</a:t>
             </a:fld>
             <a:endParaRPr lang="en-US"/>
           </a:p>
@@ -2050,7 +2050,7 @@
           <a:p>
             <a:fld id="{CE5BC49A-E8DF-6544-B7B9-136C9E9A9884}" type="datetimeFigureOut">
               <a:rPr lang="en-US" smtClean="0"/>
-              <a:t>6/26/24</a:t>
+              <a:t>7/12/24</a:t>
             </a:fld>
             <a:endParaRPr lang="en-US"/>
           </a:p>
@@ -2168,7 +2168,7 @@
           <a:p>
             <a:fld id="{CE5BC49A-E8DF-6544-B7B9-136C9E9A9884}" type="datetimeFigureOut">
               <a:rPr lang="en-US" smtClean="0"/>
-              <a:t>6/26/24</a:t>
+              <a:t>7/12/24</a:t>
             </a:fld>
             <a:endParaRPr lang="en-US"/>
           </a:p>
@@ -2263,7 +2263,7 @@
           <a:p>
             <a:fld id="{CE5BC49A-E8DF-6544-B7B9-136C9E9A9884}" type="datetimeFigureOut">
               <a:rPr lang="en-US" smtClean="0"/>
-              <a:t>6/26/24</a:t>
+              <a:t>7/12/24</a:t>
             </a:fld>
             <a:endParaRPr lang="en-US"/>
           </a:p>
@@ -2540,7 +2540,7 @@
           <a:p>
             <a:fld id="{CE5BC49A-E8DF-6544-B7B9-136C9E9A9884}" type="datetimeFigureOut">
               <a:rPr lang="en-US" smtClean="0"/>
-              <a:t>6/26/24</a:t>
+              <a:t>7/12/24</a:t>
             </a:fld>
             <a:endParaRPr lang="en-US"/>
           </a:p>
@@ -2797,7 +2797,7 @@
           <a:p>
             <a:fld id="{CE5BC49A-E8DF-6544-B7B9-136C9E9A9884}" type="datetimeFigureOut">
               <a:rPr lang="en-US" smtClean="0"/>
-              <a:t>6/26/24</a:t>
+              <a:t>7/12/24</a:t>
             </a:fld>
             <a:endParaRPr lang="en-US"/>
           </a:p>
@@ -3010,7 +3010,7 @@
           <a:p>
             <a:fld id="{CE5BC49A-E8DF-6544-B7B9-136C9E9A9884}" type="datetimeFigureOut">
               <a:rPr lang="en-US" smtClean="0"/>
-              <a:t>6/26/24</a:t>
+              <a:t>7/12/24</a:t>
             </a:fld>
             <a:endParaRPr lang="en-US"/>
           </a:p>
@@ -3609,10 +3609,10 @@
         </p:nvGrpSpPr>
         <p:grpSpPr>
           <a:xfrm>
-            <a:off x="4668172" y="521387"/>
-            <a:ext cx="2865849" cy="4142266"/>
-            <a:chOff x="2444184" y="2631194"/>
-            <a:chExt cx="2865849" cy="4142266"/>
+            <a:off x="4732773" y="521387"/>
+            <a:ext cx="2736647" cy="4142266"/>
+            <a:chOff x="2508785" y="2631194"/>
+            <a:chExt cx="2736647" cy="4142266"/>
           </a:xfrm>
         </p:grpSpPr>
         <p:sp>
@@ -3713,7 +3713,7 @@
             <p:nvPr>
               <p:extLst>
                 <p:ext uri="{D42A27DB-BD31-4B8C-83A1-F6EECF244321}">
-                  <p14:modId xmlns:p14="http://schemas.microsoft.com/office/powerpoint/2010/main" val="1748139438"/>
+                  <p14:modId xmlns:p14="http://schemas.microsoft.com/office/powerpoint/2010/main" val="3317746964"/>
                 </p:ext>
               </p:extLst>
             </p:nvPr>
@@ -3803,7 +3803,7 @@
                           <a:rPr lang="en-US" sz="1500" dirty="0">
                             <a:latin typeface="Helvetica" pitchFamily="2" charset="0"/>
                           </a:rPr>
-                          <a:t>False</a:t>
+                          <a:t>false</a:t>
                         </a:r>
                       </a:p>
                     </a:txBody>
@@ -3850,7 +3850,7 @@
                           <a:rPr lang="en-US" sz="1500" dirty="0">
                             <a:latin typeface="Helvetica" pitchFamily="2" charset="0"/>
                           </a:rPr>
-                          <a:t>True</a:t>
+                          <a:t>true</a:t>
                         </a:r>
                       </a:p>
                     </a:txBody>
@@ -3920,7 +3920,7 @@
                           <a:rPr lang="en-US" sz="1500" dirty="0">
                             <a:latin typeface="Helvetica" pitchFamily="2" charset="0"/>
                           </a:rPr>
-                          <a:t>False</a:t>
+                          <a:t>false</a:t>
                         </a:r>
                       </a:p>
                     </a:txBody>
@@ -4097,7 +4097,7 @@
                           <a:rPr lang="en-US" sz="1500" dirty="0">
                             <a:latin typeface="Helvetica" pitchFamily="2" charset="0"/>
                           </a:rPr>
-                          <a:t>True</a:t>
+                          <a:t>true</a:t>
                         </a:r>
                       </a:p>
                     </a:txBody>
@@ -4286,8 +4286,8 @@
           </p:nvSpPr>
           <p:spPr>
             <a:xfrm>
-              <a:off x="2738911" y="3442774"/>
-              <a:ext cx="2276392" cy="323165"/>
+              <a:off x="2781294" y="3442774"/>
+              <a:ext cx="2191626" cy="323165"/>
             </a:xfrm>
             <a:prstGeom prst="rect">
               <a:avLst/>
@@ -4305,7 +4305,7 @@
                 <a:rPr lang="en-US" sz="1500" b="1" dirty="0">
                   <a:latin typeface="Helvetica" pitchFamily="2" charset="0"/>
                 </a:rPr>
-                <a:t>F1 = True OR F2 = True</a:t>
+                <a:t>F1 = true OR F2 = true</a:t>
               </a:r>
             </a:p>
           </p:txBody>
@@ -4326,8 +4326,8 @@
           </p:nvSpPr>
           <p:spPr>
             <a:xfrm>
-              <a:off x="2444184" y="5757797"/>
-              <a:ext cx="2865849" cy="1015663"/>
+              <a:off x="2508785" y="5757797"/>
+              <a:ext cx="2736647" cy="1015663"/>
             </a:xfrm>
             <a:prstGeom prst="rect">
               <a:avLst/>
@@ -4345,7 +4345,7 @@
                 <a:rPr lang="en-US" sz="1200" dirty="0">
                   <a:latin typeface="Helvetica" pitchFamily="2" charset="0"/>
                 </a:rPr>
-                <a:t>Marginal 1: P(F2 = True)</a:t>
+                <a:t>Marginal 1: P(F2 = true)</a:t>
               </a:r>
             </a:p>
             <a:p>
@@ -4354,7 +4354,7 @@
                 <a:rPr lang="en-US" sz="1200" dirty="0">
                   <a:latin typeface="Helvetica" pitchFamily="2" charset="0"/>
                 </a:rPr>
-                <a:t>Marginal 2: P(F1 = True)</a:t>
+                <a:t>Marginal 2: P(F1 = true)</a:t>
               </a:r>
             </a:p>
             <a:p>
@@ -4369,7 +4369,7 @@
                 <a:rPr lang="en-US" sz="1200" dirty="0">
                   <a:latin typeface="Helvetica" pitchFamily="2" charset="0"/>
                 </a:rPr>
-                <a:t>Conditional 1: P(F1 = True | F2 = True)</a:t>
+                <a:t>Conditional 1: P(F1 = true | F2 = true)</a:t>
               </a:r>
             </a:p>
             <a:p>
@@ -4378,7 +4378,7 @@
                 <a:rPr lang="en-US" sz="1200" dirty="0">
                   <a:latin typeface="Helvetica" pitchFamily="2" charset="0"/>
                 </a:rPr>
-                <a:t>Conditional 2: P(F2 = True | F1 = True)</a:t>
+                <a:t>Conditional 2: P(F2 = true | F1 = true)</a:t>
               </a:r>
             </a:p>
           </p:txBody>
@@ -4398,10 +4398,10 @@
         </p:nvGrpSpPr>
         <p:grpSpPr>
           <a:xfrm>
-            <a:off x="969776" y="521392"/>
-            <a:ext cx="2788425" cy="3951751"/>
-            <a:chOff x="1086827" y="2368920"/>
-            <a:chExt cx="2788425" cy="3951751"/>
+            <a:off x="1012159" y="521392"/>
+            <a:ext cx="2702984" cy="3951751"/>
+            <a:chOff x="1129210" y="2368920"/>
+            <a:chExt cx="2702984" cy="3951751"/>
           </a:xfrm>
         </p:grpSpPr>
         <p:grpSp>
@@ -4418,10 +4418,10 @@
           </p:nvGrpSpPr>
           <p:grpSpPr>
             <a:xfrm>
-              <a:off x="1086827" y="2368920"/>
-              <a:ext cx="2788425" cy="3951751"/>
-              <a:chOff x="2472155" y="2631194"/>
-              <a:chExt cx="2788425" cy="3951751"/>
+              <a:off x="1129210" y="2368920"/>
+              <a:ext cx="2702984" cy="3951751"/>
+              <a:chOff x="2514538" y="2631194"/>
+              <a:chExt cx="2702984" cy="3951751"/>
             </a:xfrm>
           </p:grpSpPr>
           <p:sp>
@@ -4480,8 +4480,8 @@
             </p:nvSpPr>
             <p:spPr>
               <a:xfrm>
-                <a:off x="2472155" y="3440249"/>
-                <a:ext cx="2787751" cy="323165"/>
+                <a:off x="2514538" y="3440249"/>
+                <a:ext cx="2702984" cy="323165"/>
               </a:xfrm>
               <a:prstGeom prst="rect">
                 <a:avLst/>
@@ -4499,7 +4499,7 @@
                   <a:rPr lang="en-US" sz="1500" b="1" dirty="0">
                     <a:latin typeface="Helvetica" pitchFamily="2" charset="0"/>
                   </a:rPr>
-                  <a:t>IF F1 = True, THEN F2 = True</a:t>
+                  <a:t>IF F1 = true, THEN F2 = true</a:t>
                 </a:r>
               </a:p>
             </p:txBody>
@@ -4520,8 +4520,8 @@
             </p:nvSpPr>
             <p:spPr>
               <a:xfrm>
-                <a:off x="2498605" y="5936614"/>
-                <a:ext cx="2761975" cy="646331"/>
+                <a:off x="2545733" y="5936614"/>
+                <a:ext cx="2667718" cy="646331"/>
               </a:xfrm>
               <a:prstGeom prst="rect">
                 <a:avLst/>
@@ -4539,7 +4539,7 @@
                   <a:rPr lang="en-US" sz="1200" dirty="0">
                     <a:latin typeface="Helvetica" pitchFamily="2" charset="0"/>
                   </a:rPr>
-                  <a:t>Marginal: P(F2 = False)</a:t>
+                  <a:t>Marginal: P(F2 = false)</a:t>
                 </a:r>
               </a:p>
               <a:p>
@@ -4554,7 +4554,7 @@
                   <a:rPr lang="en-US" sz="1200" dirty="0">
                     <a:latin typeface="Helvetica" pitchFamily="2" charset="0"/>
                   </a:rPr>
-                  <a:t>Conditional: P(F1 = True | F2 = False)</a:t>
+                  <a:t>Conditional: P(F1 = true | F2 = false)</a:t>
                 </a:r>
               </a:p>
             </p:txBody>
@@ -4618,7 +4618,7 @@
             <p:nvPr>
               <p:extLst>
                 <p:ext uri="{D42A27DB-BD31-4B8C-83A1-F6EECF244321}">
-                  <p14:modId xmlns:p14="http://schemas.microsoft.com/office/powerpoint/2010/main" val="3573865659"/>
+                  <p14:modId xmlns:p14="http://schemas.microsoft.com/office/powerpoint/2010/main" val="1175727703"/>
                 </p:ext>
               </p:extLst>
             </p:nvPr>
@@ -4708,7 +4708,7 @@
                           <a:rPr lang="en-US" sz="1500" dirty="0">
                             <a:latin typeface="Helvetica" pitchFamily="2" charset="0"/>
                           </a:rPr>
-                          <a:t>False</a:t>
+                          <a:t>false</a:t>
                         </a:r>
                       </a:p>
                     </a:txBody>
@@ -4755,7 +4755,7 @@
                           <a:rPr lang="en-US" sz="1500" dirty="0">
                             <a:latin typeface="Helvetica" pitchFamily="2" charset="0"/>
                           </a:rPr>
-                          <a:t>True</a:t>
+                          <a:t>true</a:t>
                         </a:r>
                       </a:p>
                     </a:txBody>
@@ -4825,7 +4825,7 @@
                           <a:rPr lang="en-US" sz="1500" dirty="0">
                             <a:latin typeface="Helvetica" pitchFamily="2" charset="0"/>
                           </a:rPr>
-                          <a:t>False</a:t>
+                          <a:t>false</a:t>
                         </a:r>
                       </a:p>
                     </a:txBody>
@@ -4999,7 +4999,7 @@
                           <a:rPr lang="en-US" sz="1500" dirty="0">
                             <a:latin typeface="Helvetica" pitchFamily="2" charset="0"/>
                           </a:rPr>
-                          <a:t>True</a:t>
+                          <a:t>true</a:t>
                         </a:r>
                       </a:p>
                     </a:txBody>
@@ -5291,7 +5291,7 @@
             <p:nvPr>
               <p:extLst>
                 <p:ext uri="{D42A27DB-BD31-4B8C-83A1-F6EECF244321}">
-                  <p14:modId xmlns:p14="http://schemas.microsoft.com/office/powerpoint/2010/main" val="2734840924"/>
+                  <p14:modId xmlns:p14="http://schemas.microsoft.com/office/powerpoint/2010/main" val="972869687"/>
                 </p:ext>
               </p:extLst>
             </p:nvPr>
@@ -5381,7 +5381,7 @@
                           <a:rPr lang="en-US" sz="1500" dirty="0">
                             <a:latin typeface="Helvetica" pitchFamily="2" charset="0"/>
                           </a:rPr>
-                          <a:t>False</a:t>
+                          <a:t>false</a:t>
                         </a:r>
                       </a:p>
                     </a:txBody>
@@ -5428,7 +5428,7 @@
                           <a:rPr lang="en-US" sz="1500" dirty="0">
                             <a:latin typeface="Helvetica" pitchFamily="2" charset="0"/>
                           </a:rPr>
-                          <a:t>True</a:t>
+                          <a:t>true</a:t>
                         </a:r>
                       </a:p>
                     </a:txBody>
@@ -5498,7 +5498,7 @@
                           <a:rPr lang="en-US" sz="1500" dirty="0">
                             <a:latin typeface="Helvetica" pitchFamily="2" charset="0"/>
                           </a:rPr>
-                          <a:t>False</a:t>
+                          <a:t>false</a:t>
                         </a:r>
                       </a:p>
                     </a:txBody>
@@ -5675,7 +5675,7 @@
                           <a:rPr lang="en-US" sz="1500" dirty="0">
                             <a:latin typeface="Helvetica" pitchFamily="2" charset="0"/>
                           </a:rPr>
-                          <a:t>True</a:t>
+                          <a:t>true</a:t>
                         </a:r>
                       </a:p>
                     </a:txBody>
@@ -5864,8 +5864,8 @@
           </p:nvSpPr>
           <p:spPr>
             <a:xfrm>
-              <a:off x="2677517" y="3442774"/>
-              <a:ext cx="2399183" cy="323165"/>
+              <a:off x="2719901" y="3442774"/>
+              <a:ext cx="2314416" cy="323165"/>
             </a:xfrm>
             <a:prstGeom prst="rect">
               <a:avLst/>
@@ -5883,7 +5883,7 @@
                 <a:rPr lang="en-US" sz="1500" b="1" dirty="0">
                   <a:latin typeface="Helvetica" pitchFamily="2" charset="0"/>
                 </a:rPr>
-                <a:t>F1 = True AND F2 = True</a:t>
+                <a:t>F1 = true AND F2 = true</a:t>
               </a:r>
             </a:p>
           </p:txBody>
@@ -5923,7 +5923,7 @@
                 <a:rPr lang="en-US" sz="1200" dirty="0">
                   <a:latin typeface="Helvetica" pitchFamily="2" charset="0"/>
                 </a:rPr>
-                <a:t>Marginal 1: P(F2 = False)</a:t>
+                <a:t>Marginal 1: P(F2 = false)</a:t>
               </a:r>
             </a:p>
             <a:p>
@@ -5932,7 +5932,7 @@
                 <a:rPr lang="en-US" sz="1200" dirty="0">
                   <a:latin typeface="Helvetica" pitchFamily="2" charset="0"/>
                 </a:rPr>
-                <a:t>Marginal 2: P(F1 = False)</a:t>
+                <a:t>Marginal 2: P(F1 = false)</a:t>
               </a:r>
             </a:p>
             <a:p>
@@ -5947,7 +5947,7 @@
                 <a:rPr lang="en-US" sz="1200" dirty="0">
                   <a:latin typeface="Helvetica" pitchFamily="2" charset="0"/>
                 </a:rPr>
-                <a:t>Conditional 1: P(F1 = True | F2 = False)</a:t>
+                <a:t>Conditional 1: P(F1 = true | F2 = false)</a:t>
               </a:r>
             </a:p>
             <a:p>
@@ -5956,7 +5956,7 @@
                 <a:rPr lang="en-US" sz="1200" dirty="0">
                   <a:latin typeface="Helvetica" pitchFamily="2" charset="0"/>
                 </a:rPr>
-                <a:t>Conditional 2: P(F2 = True | F1 = False)</a:t>
+                <a:t>Conditional 2: P(F2 = true | F1 = false)</a:t>
               </a:r>
             </a:p>
           </p:txBody>

--- a/plots/Fig6 tests.pptx
+++ b/plots/Fig6 tests.pptx
@@ -197,7 +197,7 @@
           <a:p>
             <a:fld id="{4F97FC17-05F1-5941-99BF-2CFB8DD61DE7}" type="datetimeFigureOut">
               <a:rPr lang="en-US" smtClean="0"/>
-              <a:t>7/12/24</a:t>
+              <a:t>11/6/24</a:t>
             </a:fld>
             <a:endParaRPr lang="en-US"/>
           </a:p>
@@ -685,7 +685,7 @@
           <a:p>
             <a:fld id="{CE5BC49A-E8DF-6544-B7B9-136C9E9A9884}" type="datetimeFigureOut">
               <a:rPr lang="en-US" smtClean="0"/>
-              <a:t>7/12/24</a:t>
+              <a:t>11/6/24</a:t>
             </a:fld>
             <a:endParaRPr lang="en-US"/>
           </a:p>
@@ -855,7 +855,7 @@
           <a:p>
             <a:fld id="{CE5BC49A-E8DF-6544-B7B9-136C9E9A9884}" type="datetimeFigureOut">
               <a:rPr lang="en-US" smtClean="0"/>
-              <a:t>7/12/24</a:t>
+              <a:t>11/6/24</a:t>
             </a:fld>
             <a:endParaRPr lang="en-US"/>
           </a:p>
@@ -1035,7 +1035,7 @@
           <a:p>
             <a:fld id="{CE5BC49A-E8DF-6544-B7B9-136C9E9A9884}" type="datetimeFigureOut">
               <a:rPr lang="en-US" smtClean="0"/>
-              <a:t>7/12/24</a:t>
+              <a:t>11/6/24</a:t>
             </a:fld>
             <a:endParaRPr lang="en-US"/>
           </a:p>
@@ -1205,7 +1205,7 @@
           <a:p>
             <a:fld id="{CE5BC49A-E8DF-6544-B7B9-136C9E9A9884}" type="datetimeFigureOut">
               <a:rPr lang="en-US" smtClean="0"/>
-              <a:t>7/12/24</a:t>
+              <a:t>11/6/24</a:t>
             </a:fld>
             <a:endParaRPr lang="en-US"/>
           </a:p>
@@ -1451,7 +1451,7 @@
           <a:p>
             <a:fld id="{CE5BC49A-E8DF-6544-B7B9-136C9E9A9884}" type="datetimeFigureOut">
               <a:rPr lang="en-US" smtClean="0"/>
-              <a:t>7/12/24</a:t>
+              <a:t>11/6/24</a:t>
             </a:fld>
             <a:endParaRPr lang="en-US"/>
           </a:p>
@@ -1683,7 +1683,7 @@
           <a:p>
             <a:fld id="{CE5BC49A-E8DF-6544-B7B9-136C9E9A9884}" type="datetimeFigureOut">
               <a:rPr lang="en-US" smtClean="0"/>
-              <a:t>7/12/24</a:t>
+              <a:t>11/6/24</a:t>
             </a:fld>
             <a:endParaRPr lang="en-US"/>
           </a:p>
@@ -2050,7 +2050,7 @@
           <a:p>
             <a:fld id="{CE5BC49A-E8DF-6544-B7B9-136C9E9A9884}" type="datetimeFigureOut">
               <a:rPr lang="en-US" smtClean="0"/>
-              <a:t>7/12/24</a:t>
+              <a:t>11/6/24</a:t>
             </a:fld>
             <a:endParaRPr lang="en-US"/>
           </a:p>
@@ -2168,7 +2168,7 @@
           <a:p>
             <a:fld id="{CE5BC49A-E8DF-6544-B7B9-136C9E9A9884}" type="datetimeFigureOut">
               <a:rPr lang="en-US" smtClean="0"/>
-              <a:t>7/12/24</a:t>
+              <a:t>11/6/24</a:t>
             </a:fld>
             <a:endParaRPr lang="en-US"/>
           </a:p>
@@ -2263,7 +2263,7 @@
           <a:p>
             <a:fld id="{CE5BC49A-E8DF-6544-B7B9-136C9E9A9884}" type="datetimeFigureOut">
               <a:rPr lang="en-US" smtClean="0"/>
-              <a:t>7/12/24</a:t>
+              <a:t>11/6/24</a:t>
             </a:fld>
             <a:endParaRPr lang="en-US"/>
           </a:p>
@@ -2540,7 +2540,7 @@
           <a:p>
             <a:fld id="{CE5BC49A-E8DF-6544-B7B9-136C9E9A9884}" type="datetimeFigureOut">
               <a:rPr lang="en-US" smtClean="0"/>
-              <a:t>7/12/24</a:t>
+              <a:t>11/6/24</a:t>
             </a:fld>
             <a:endParaRPr lang="en-US"/>
           </a:p>
@@ -2797,7 +2797,7 @@
           <a:p>
             <a:fld id="{CE5BC49A-E8DF-6544-B7B9-136C9E9A9884}" type="datetimeFigureOut">
               <a:rPr lang="en-US" smtClean="0"/>
-              <a:t>7/12/24</a:t>
+              <a:t>11/6/24</a:t>
             </a:fld>
             <a:endParaRPr lang="en-US"/>
           </a:p>
@@ -3010,7 +3010,7 @@
           <a:p>
             <a:fld id="{CE5BC49A-E8DF-6544-B7B9-136C9E9A9884}" type="datetimeFigureOut">
               <a:rPr lang="en-US" smtClean="0"/>
-              <a:t>7/12/24</a:t>
+              <a:t>11/6/24</a:t>
             </a:fld>
             <a:endParaRPr lang="en-US"/>
           </a:p>
@@ -3609,10 +3609,10 @@
         </p:nvGrpSpPr>
         <p:grpSpPr>
           <a:xfrm>
-            <a:off x="4732773" y="521387"/>
-            <a:ext cx="2736647" cy="4142266"/>
-            <a:chOff x="2508785" y="2631194"/>
-            <a:chExt cx="2736647" cy="4142266"/>
+            <a:off x="4732773" y="537766"/>
+            <a:ext cx="2736647" cy="4125887"/>
+            <a:chOff x="2508785" y="2647573"/>
+            <a:chExt cx="2736647" cy="4125887"/>
           </a:xfrm>
         </p:grpSpPr>
         <p:sp>
@@ -3674,8 +3674,8 @@
           </p:nvSpPr>
           <p:spPr>
             <a:xfrm>
-              <a:off x="3535181" y="2631194"/>
-              <a:ext cx="803365" cy="707886"/>
+              <a:off x="3525301" y="2647573"/>
+              <a:ext cx="803365" cy="553998"/>
             </a:xfrm>
             <a:prstGeom prst="rect">
               <a:avLst/>
@@ -3690,10 +3690,10 @@
             <a:p>
               <a:pPr algn="ctr"/>
               <a:r>
-                <a:rPr lang="en-US" sz="4000" b="1" dirty="0">
+                <a:rPr lang="en-US" sz="3000" b="1" dirty="0">
                   <a:latin typeface="Helvetica" pitchFamily="2" charset="0"/>
                 </a:rPr>
-                <a:t>B.</a:t>
+                <a:t>b.</a:t>
               </a:r>
             </a:p>
           </p:txBody>
@@ -4398,10 +4398,10 @@
         </p:nvGrpSpPr>
         <p:grpSpPr>
           <a:xfrm>
-            <a:off x="1012159" y="521392"/>
-            <a:ext cx="2702984" cy="3951751"/>
-            <a:chOff x="1129210" y="2368920"/>
-            <a:chExt cx="2702984" cy="3951751"/>
+            <a:off x="1012159" y="537766"/>
+            <a:ext cx="2702984" cy="3935377"/>
+            <a:chOff x="1129210" y="2385294"/>
+            <a:chExt cx="2702984" cy="3935377"/>
           </a:xfrm>
         </p:grpSpPr>
         <p:grpSp>
@@ -4418,10 +4418,10 @@
           </p:nvGrpSpPr>
           <p:grpSpPr>
             <a:xfrm>
-              <a:off x="1129210" y="2368920"/>
-              <a:ext cx="2702984" cy="3951751"/>
-              <a:chOff x="2514538" y="2631194"/>
-              <a:chExt cx="2702984" cy="3951751"/>
+              <a:off x="1129210" y="2385294"/>
+              <a:ext cx="2702984" cy="3935377"/>
+              <a:chOff x="2514538" y="2647568"/>
+              <a:chExt cx="2702984" cy="3935377"/>
             </a:xfrm>
           </p:grpSpPr>
           <p:sp>
@@ -4440,8 +4440,8 @@
             </p:nvSpPr>
             <p:spPr>
               <a:xfrm>
-                <a:off x="3535181" y="2631194"/>
-                <a:ext cx="803365" cy="707886"/>
+                <a:off x="3546808" y="2647568"/>
+                <a:ext cx="803365" cy="553998"/>
               </a:xfrm>
               <a:prstGeom prst="rect">
                 <a:avLst/>
@@ -4456,10 +4456,10 @@
               <a:p>
                 <a:pPr algn="ctr"/>
                 <a:r>
-                  <a:rPr lang="en-US" sz="4000" b="1" dirty="0">
+                  <a:rPr lang="en-US" sz="3000" b="1" dirty="0">
                     <a:latin typeface="Helvetica" pitchFamily="2" charset="0"/>
                   </a:rPr>
-                  <a:t>A.</a:t>
+                  <a:t>a.</a:t>
                 </a:r>
               </a:p>
             </p:txBody>
@@ -5187,10 +5187,10 @@
         </p:nvGrpSpPr>
         <p:grpSpPr>
           <a:xfrm>
-            <a:off x="8453802" y="521387"/>
-            <a:ext cx="2865849" cy="4142266"/>
-            <a:chOff x="2444184" y="2631194"/>
-            <a:chExt cx="2865849" cy="4142266"/>
+            <a:off x="8453802" y="537766"/>
+            <a:ext cx="2865849" cy="4125887"/>
+            <a:chOff x="2444184" y="2647573"/>
+            <a:chExt cx="2865849" cy="4125887"/>
           </a:xfrm>
         </p:grpSpPr>
         <p:sp>
@@ -5252,8 +5252,8 @@
           </p:nvSpPr>
           <p:spPr>
             <a:xfrm>
-              <a:off x="3535181" y="2631194"/>
-              <a:ext cx="803365" cy="707886"/>
+              <a:off x="3525301" y="2647573"/>
+              <a:ext cx="803365" cy="553998"/>
             </a:xfrm>
             <a:prstGeom prst="rect">
               <a:avLst/>
@@ -5268,10 +5268,10 @@
             <a:p>
               <a:pPr algn="ctr"/>
               <a:r>
-                <a:rPr lang="en-US" sz="4000" b="1" dirty="0">
+                <a:rPr lang="en-US" sz="3000" b="1" dirty="0">
                   <a:latin typeface="Helvetica" pitchFamily="2" charset="0"/>
                 </a:rPr>
-                <a:t>C.</a:t>
+                <a:t>c.</a:t>
               </a:r>
             </a:p>
           </p:txBody>

--- a/plots/Fig6 tests.pptx
+++ b/plots/Fig6 tests.pptx
@@ -197,7 +197,7 @@
           <a:p>
             <a:fld id="{4F97FC17-05F1-5941-99BF-2CFB8DD61DE7}" type="datetimeFigureOut">
               <a:rPr lang="en-US" smtClean="0"/>
-              <a:t>11/6/24</a:t>
+              <a:t>12/19/24</a:t>
             </a:fld>
             <a:endParaRPr lang="en-US"/>
           </a:p>
@@ -685,7 +685,7 @@
           <a:p>
             <a:fld id="{CE5BC49A-E8DF-6544-B7B9-136C9E9A9884}" type="datetimeFigureOut">
               <a:rPr lang="en-US" smtClean="0"/>
-              <a:t>11/6/24</a:t>
+              <a:t>12/19/24</a:t>
             </a:fld>
             <a:endParaRPr lang="en-US"/>
           </a:p>
@@ -855,7 +855,7 @@
           <a:p>
             <a:fld id="{CE5BC49A-E8DF-6544-B7B9-136C9E9A9884}" type="datetimeFigureOut">
               <a:rPr lang="en-US" smtClean="0"/>
-              <a:t>11/6/24</a:t>
+              <a:t>12/19/24</a:t>
             </a:fld>
             <a:endParaRPr lang="en-US"/>
           </a:p>
@@ -1035,7 +1035,7 @@
           <a:p>
             <a:fld id="{CE5BC49A-E8DF-6544-B7B9-136C9E9A9884}" type="datetimeFigureOut">
               <a:rPr lang="en-US" smtClean="0"/>
-              <a:t>11/6/24</a:t>
+              <a:t>12/19/24</a:t>
             </a:fld>
             <a:endParaRPr lang="en-US"/>
           </a:p>
@@ -1205,7 +1205,7 @@
           <a:p>
             <a:fld id="{CE5BC49A-E8DF-6544-B7B9-136C9E9A9884}" type="datetimeFigureOut">
               <a:rPr lang="en-US" smtClean="0"/>
-              <a:t>11/6/24</a:t>
+              <a:t>12/19/24</a:t>
             </a:fld>
             <a:endParaRPr lang="en-US"/>
           </a:p>
@@ -1451,7 +1451,7 @@
           <a:p>
             <a:fld id="{CE5BC49A-E8DF-6544-B7B9-136C9E9A9884}" type="datetimeFigureOut">
               <a:rPr lang="en-US" smtClean="0"/>
-              <a:t>11/6/24</a:t>
+              <a:t>12/19/24</a:t>
             </a:fld>
             <a:endParaRPr lang="en-US"/>
           </a:p>
@@ -1683,7 +1683,7 @@
           <a:p>
             <a:fld id="{CE5BC49A-E8DF-6544-B7B9-136C9E9A9884}" type="datetimeFigureOut">
               <a:rPr lang="en-US" smtClean="0"/>
-              <a:t>11/6/24</a:t>
+              <a:t>12/19/24</a:t>
             </a:fld>
             <a:endParaRPr lang="en-US"/>
           </a:p>
@@ -2050,7 +2050,7 @@
           <a:p>
             <a:fld id="{CE5BC49A-E8DF-6544-B7B9-136C9E9A9884}" type="datetimeFigureOut">
               <a:rPr lang="en-US" smtClean="0"/>
-              <a:t>11/6/24</a:t>
+              <a:t>12/19/24</a:t>
             </a:fld>
             <a:endParaRPr lang="en-US"/>
           </a:p>
@@ -2168,7 +2168,7 @@
           <a:p>
             <a:fld id="{CE5BC49A-E8DF-6544-B7B9-136C9E9A9884}" type="datetimeFigureOut">
               <a:rPr lang="en-US" smtClean="0"/>
-              <a:t>11/6/24</a:t>
+              <a:t>12/19/24</a:t>
             </a:fld>
             <a:endParaRPr lang="en-US"/>
           </a:p>
@@ -2263,7 +2263,7 @@
           <a:p>
             <a:fld id="{CE5BC49A-E8DF-6544-B7B9-136C9E9A9884}" type="datetimeFigureOut">
               <a:rPr lang="en-US" smtClean="0"/>
-              <a:t>11/6/24</a:t>
+              <a:t>12/19/24</a:t>
             </a:fld>
             <a:endParaRPr lang="en-US"/>
           </a:p>
@@ -2540,7 +2540,7 @@
           <a:p>
             <a:fld id="{CE5BC49A-E8DF-6544-B7B9-136C9E9A9884}" type="datetimeFigureOut">
               <a:rPr lang="en-US" smtClean="0"/>
-              <a:t>11/6/24</a:t>
+              <a:t>12/19/24</a:t>
             </a:fld>
             <a:endParaRPr lang="en-US"/>
           </a:p>
@@ -2797,7 +2797,7 @@
           <a:p>
             <a:fld id="{CE5BC49A-E8DF-6544-B7B9-136C9E9A9884}" type="datetimeFigureOut">
               <a:rPr lang="en-US" smtClean="0"/>
-              <a:t>11/6/24</a:t>
+              <a:t>12/19/24</a:t>
             </a:fld>
             <a:endParaRPr lang="en-US"/>
           </a:p>
@@ -3010,7 +3010,7 @@
           <a:p>
             <a:fld id="{CE5BC49A-E8DF-6544-B7B9-136C9E9A9884}" type="datetimeFigureOut">
               <a:rPr lang="en-US" smtClean="0"/>
-              <a:t>11/6/24</a:t>
+              <a:t>12/19/24</a:t>
             </a:fld>
             <a:endParaRPr lang="en-US"/>
           </a:p>
@@ -3609,10 +3609,10 @@
         </p:nvGrpSpPr>
         <p:grpSpPr>
           <a:xfrm>
-            <a:off x="4732773" y="537766"/>
-            <a:ext cx="2736647" cy="4125887"/>
-            <a:chOff x="2508785" y="2647573"/>
-            <a:chExt cx="2736647" cy="4125887"/>
+            <a:off x="4697508" y="537766"/>
+            <a:ext cx="2807179" cy="4125887"/>
+            <a:chOff x="2473520" y="2647573"/>
+            <a:chExt cx="2807179" cy="4125887"/>
           </a:xfrm>
         </p:grpSpPr>
         <p:sp>
@@ -4326,8 +4326,8 @@
           </p:nvSpPr>
           <p:spPr>
             <a:xfrm>
-              <a:off x="2508785" y="5757797"/>
-              <a:ext cx="2736647" cy="1015663"/>
+              <a:off x="2473520" y="5757797"/>
+              <a:ext cx="2807179" cy="1015663"/>
             </a:xfrm>
             <a:prstGeom prst="rect">
               <a:avLst/>
@@ -4369,7 +4369,7 @@
                 <a:rPr lang="en-US" sz="1200" dirty="0">
                   <a:latin typeface="Helvetica" pitchFamily="2" charset="0"/>
                 </a:rPr>
-                <a:t>Conditional 1: P(F1 = true | F2 = true)</a:t>
+                <a:t>Conditional 1: P(F2 = true | F1 = true)</a:t>
               </a:r>
             </a:p>
             <a:p>
@@ -4378,7 +4378,7 @@
                 <a:rPr lang="en-US" sz="1200" dirty="0">
                   <a:latin typeface="Helvetica" pitchFamily="2" charset="0"/>
                 </a:rPr>
-                <a:t>Conditional 2: P(F2 = true | F1 = true)</a:t>
+                <a:t>Conditional 2: P(F1 = true | F2 = true)</a:t>
               </a:r>
             </a:p>
           </p:txBody>
@@ -4520,7 +4520,7 @@
             </p:nvSpPr>
             <p:spPr>
               <a:xfrm>
-                <a:off x="2545733" y="5936614"/>
+                <a:off x="2545734" y="5936614"/>
                 <a:ext cx="2667718" cy="646331"/>
               </a:xfrm>
               <a:prstGeom prst="rect">
@@ -4554,7 +4554,7 @@
                   <a:rPr lang="en-US" sz="1200" dirty="0">
                     <a:latin typeface="Helvetica" pitchFamily="2" charset="0"/>
                   </a:rPr>
-                  <a:t>Conditional: P(F1 = true | F2 = false)</a:t>
+                  <a:t>Conditional: P(F2 = false | F1 = true)</a:t>
                 </a:r>
               </a:p>
             </p:txBody>
@@ -5187,10 +5187,10 @@
         </p:nvGrpSpPr>
         <p:grpSpPr>
           <a:xfrm>
-            <a:off x="8453802" y="537766"/>
-            <a:ext cx="2865849" cy="4125887"/>
-            <a:chOff x="2444184" y="2647573"/>
-            <a:chExt cx="2865849" cy="4125887"/>
+            <a:off x="8467107" y="537766"/>
+            <a:ext cx="2839240" cy="4125887"/>
+            <a:chOff x="2457489" y="2647573"/>
+            <a:chExt cx="2839240" cy="4125887"/>
           </a:xfrm>
         </p:grpSpPr>
         <p:sp>
@@ -5904,8 +5904,8 @@
           </p:nvSpPr>
           <p:spPr>
             <a:xfrm>
-              <a:off x="2444184" y="5757797"/>
-              <a:ext cx="2865849" cy="1015663"/>
+              <a:off x="2457489" y="5757797"/>
+              <a:ext cx="2839240" cy="1015663"/>
             </a:xfrm>
             <a:prstGeom prst="rect">
               <a:avLst/>
@@ -5947,7 +5947,7 @@
                 <a:rPr lang="en-US" sz="1200" dirty="0">
                   <a:latin typeface="Helvetica" pitchFamily="2" charset="0"/>
                 </a:rPr>
-                <a:t>Conditional 1: P(F1 = true | F2 = false)</a:t>
+                <a:t>Conditional 1: P(F2 = false | F1 = true)</a:t>
               </a:r>
             </a:p>
             <a:p>
@@ -5956,8 +5956,17 @@
                 <a:rPr lang="en-US" sz="1200" dirty="0">
                   <a:latin typeface="Helvetica" pitchFamily="2" charset="0"/>
                 </a:rPr>
-                <a:t>Conditional 2: P(F2 = true | F1 = false)</a:t>
+                <a:t>Conditional 2: </a:t>
               </a:r>
+              <a:r>
+                <a:rPr lang="en-US" sz="1200">
+                  <a:latin typeface="Helvetica" pitchFamily="2" charset="0"/>
+                </a:rPr>
+                <a:t>P(F1 = false | F2 = true)</a:t>
+              </a:r>
+              <a:endParaRPr lang="en-US" sz="1200" dirty="0">
+                <a:latin typeface="Helvetica" pitchFamily="2" charset="0"/>
+              </a:endParaRPr>
             </a:p>
           </p:txBody>
         </p:sp>
